--- a/result/Cap dix- F100140085F1result.pptx
+++ b/result/Cap dix- F100140085F1result.pptx
@@ -2547,7 +2547,7 @@
                   <a:schemeClr val="tx2"/>
                 </a:solidFill>
               </a:rPr>
-              <a:t> B.V. : Standard &amp; Poor’s : A+. BNP Paribas S.A. : Standard &amp; Poor’s : A+ / Moody’s : Aa3 / Fitch : AA-. Notations en vigueur au moment de la rédaction de la présente brochure, le 22/03/2022. Ces notations peuvent être révisées à tout moment et ne sont pas une garantie de solvabilité de l’Émetteur ni du Garant de la formule. Elles ne sauraient constituer un argument de souscription au produit.</a:t>
+              <a:t> B.V. : Standard &amp; Poor’s : A+. BNP Paribas S.A. : Standard &amp; Poor’s : A+ / Moody’s : Aa3 / Fitch : AA-. Notations en vigueur au moment de la rédaction de la présente brochure, le 23/03/2022. Ces notations peuvent être révisées à tout moment et ne sont pas une garantie de solvabilité de l’Émetteur ni du Garant de la formule. Elles ne sauraient constituer un argument de souscription au produit.</a:t>
             </a:r>
           </a:p>
         </p:txBody>
@@ -4590,7 +4590,7 @@
       </p:sp>
       <p:pic>
         <p:nvPicPr>
-          <p:cNvPr id="17" name="Picture 16" descr="file_name222.png"/>
+          <p:cNvPr id="17" name="Picture 16" descr="graph1.png"/>
           <p:cNvPicPr>
             <a:picLocks noChangeAspect="1"/>
           </p:cNvPicPr>
@@ -4605,7 +4605,7 @@
         <p:spPr>
           <a:xfrm>
             <a:off x="0" y="6172200"/>
-            <a:ext cx="6858000" cy="3306536"/>
+            <a:ext cx="4800600" cy="2625328"/>
           </a:xfrm>
           <a:prstGeom prst="rect">
             <a:avLst/>
@@ -10359,35 +10359,13 @@
           <a:lstStyle/>
           <a:p>
             <a:r>
-              <a:t>&gt;</a:t>
-            </a:r>
+              <a:rPr lang="fr-FR"/>
+              <a:t>&lt;graph2&gt;</a:t>
+            </a:r>
+            <a:endParaRPr lang="en-US" dirty="0"/>
           </a:p>
         </p:txBody>
       </p:sp>
-      <p:pic>
-        <p:nvPicPr>
-          <p:cNvPr id="68" name="Picture 67" descr="file_name222.png"/>
-          <p:cNvPicPr>
-            <a:picLocks noChangeAspect="1"/>
-          </p:cNvPicPr>
-          <p:nvPr/>
-        </p:nvPicPr>
-        <p:blipFill>
-          <a:blip r:embed="rId2"/>
-          <a:stretch>
-            <a:fillRect/>
-          </a:stretch>
-        </p:blipFill>
-        <p:spPr>
-          <a:xfrm>
-            <a:off x="0" y="1828800"/>
-            <a:ext cx="4572000" cy="2204357"/>
-          </a:xfrm>
-          <a:prstGeom prst="rect">
-            <a:avLst/>
-          </a:prstGeom>
-        </p:spPr>
-      </p:pic>
     </p:spTree>
     <p:extLst>
       <p:ext uri="{BB962C8B-B14F-4D97-AF65-F5344CB8AC3E}">
@@ -11023,7 +11001,7 @@
                     <a:lstStyle/>
                     <a:p>
                       <a:r>
-                        <a:t>Performances au 22/03/2022 ()</a:t>
+                        <a:t>Performances au 23/03/2022 ()</a:t>
                       </a:r>
                     </a:p>
                   </a:txBody>
@@ -12011,33 +11989,15 @@
             <a:spAutoFit/>
           </a:bodyPr>
           <a:lstStyle/>
-          <a:p/>
+          <a:p>
+            <a:r>
+              <a:rPr lang="fr-FR" dirty="0"/>
+              <a:t>&lt;graph5&gt;</a:t>
+            </a:r>
+            <a:endParaRPr lang="en-US" dirty="0"/>
+          </a:p>
         </p:txBody>
       </p:sp>
-      <p:pic>
-        <p:nvPicPr>
-          <p:cNvPr id="18" name="Picture 17" descr="file_name222.png"/>
-          <p:cNvPicPr>
-            <a:picLocks noChangeAspect="1"/>
-          </p:cNvPicPr>
-          <p:nvPr/>
-        </p:nvPicPr>
-        <p:blipFill>
-          <a:blip r:embed="rId2"/>
-          <a:stretch>
-            <a:fillRect/>
-          </a:stretch>
-        </p:blipFill>
-        <p:spPr>
-          <a:xfrm>
-            <a:off x="0" y="4572000"/>
-            <a:ext cx="7315200" cy="3526971"/>
-          </a:xfrm>
-          <a:prstGeom prst="rect">
-            <a:avLst/>
-          </a:prstGeom>
-        </p:spPr>
-      </p:pic>
     </p:spTree>
     <p:extLst>
       <p:ext uri="{BB962C8B-B14F-4D97-AF65-F5344CB8AC3E}">
@@ -12149,7 +12109,7 @@
             </a:r>
             <a:r>
               <a:rPr lang="fr-FR" sz="650" dirty="0"/>
-              <a:t> B.V. : Standard &amp; Poor’s A+. BNP Paribas : Standard &amp; Poor’s A+ / Moody’s Aa3 / Fitch AA-. Notations en vigueur au moment de la rédaction de la présente brochure, le 22/03/2022, qui ne sauraient ni être une garantie de solvabilité de l’Émetteur et du Garant de la formule, ni constituer un argument de souscription au produit. Les agences de notation peuvent les modifier à tout moment. </a:t>
+              <a:t> B.V. : Standard &amp; Poor’s A+. BNP Paribas : Standard &amp; Poor’s A+ / Moody’s Aa3 / Fitch AA-. Notations en vigueur au moment de la rédaction de la présente brochure, le 23/03/2022, qui ne sauraient ni être une garantie de solvabilité de l’Émetteur et du Garant de la formule, ni constituer un argument de souscription au produit. Les agences de notation peuvent les modifier à tout moment. </a:t>
             </a:r>
             <a:endParaRPr lang="fr-FR" sz="650" i="1" dirty="0">
               <a:latin typeface="Proxima Nova Rg" panose="02000506030000020004" pitchFamily="2" charset="0"/>

--- a/result/Cap dix- F100140085F1result.pptx
+++ b/result/Cap dix- F100140085F1result.pptx
@@ -4143,7 +4143,7 @@
                 <a:ea typeface="+mn-ea"/>
                 <a:cs typeface="+mn-cs"/>
               </a:rPr>
-              <a:t>ou égal à 100% , ou si à la date de constatation finale(¹), l’action la moins performante clôture à un cours supérieur ou égal à 60% de son Cours Initial</a:t>
+              <a:t>ou égal à 100% , ou si à la date de constatation finale(¹), l’action la moins performante clôture à un cours supérieur ou égal à 80% de son Cours Initial</a:t>
             </a:r>
             <a:r>
               <a:rPr kumimoji="0" lang="fr-FR" sz="800" b="0" i="0" u="none" strike="noStrike" kern="1200" cap="none" spc="0" normalizeH="0" baseline="0" noProof="0" dirty="0">
@@ -4605,7 +4605,7 @@
         <p:spPr>
           <a:xfrm>
             <a:off x="0" y="6172200"/>
-            <a:ext cx="4800600" cy="2625328"/>
+            <a:ext cx="6400800" cy="3500438"/>
           </a:xfrm>
           <a:prstGeom prst="rect">
             <a:avLst/>
@@ -6078,7 +6078,7 @@
                   <a:schemeClr val="tx2"/>
                 </a:solidFill>
               </a:rPr>
-              <a:t>clôture à un cours supérieur ou égal à 60% de son Cours Initial, l’investisseur reçoit, le 27/03/2028</a:t>
+              <a:t>clôture à un cours supérieur ou égal à 80% de son Cours Initial, l’investisseur reçoit, le 27/03/2028</a:t>
             </a:r>
             <a:r>
               <a:rPr lang="fr-FR" sz="800" b="1" baseline="30000" dirty="0">
@@ -7086,6 +7086,256 @@
                 <a:latin typeface="+mn-lt"/>
               </a:rPr>
               <a:t>Mécanisme de remboursement anticipé automatique</a:t>
+            </a:r>
+          </a:p>
+        </p:txBody>
+      </p:sp>
+      <p:sp>
+        <p:nvSpPr>
+          <p:cNvPr id="20" name="Espace réservé du texte 36">
+            <a:extLst>
+              <a:ext uri="{FF2B5EF4-FFF2-40B4-BE49-F238E27FC236}">
+                <a16:creationId xmlns:a16="http://schemas.microsoft.com/office/drawing/2014/main" id="{CF055AA2-377C-446F-B61D-3E7B366770C3}"/>
+              </a:ext>
+            </a:extLst>
+          </p:cNvPr>
+          <p:cNvSpPr txBox="1">
+            <a:spLocks/>
+          </p:cNvSpPr>
+          <p:nvPr/>
+        </p:nvSpPr>
+        <p:spPr>
+          <a:xfrm>
+            <a:off x="1273632" y="7611631"/>
+            <a:ext cx="5029482" cy="391628"/>
+          </a:xfrm>
+          <a:prstGeom prst="rect">
+            <a:avLst/>
+          </a:prstGeom>
+          <a:noFill/>
+          <a:ln w="6350">
+            <a:solidFill>
+              <a:srgbClr val="B9A049"/>
+            </a:solidFill>
+          </a:ln>
+        </p:spPr>
+        <p:txBody>
+          <a:bodyPr lIns="108000" tIns="72000" rIns="108000" bIns="72000" anchor="ctr">
+            <a:spAutoFit/>
+          </a:bodyPr>
+          <a:lstStyle>
+            <a:lvl1pPr indent="0" algn="ctr" defTabSz="755934">
+              <a:lnSpc>
+                <a:spcPct val="100000"/>
+              </a:lnSpc>
+              <a:spcBef>
+                <a:spcPts val="0"/>
+              </a:spcBef>
+              <a:buFont typeface="Arial" panose="020B0604020202020204" pitchFamily="34" charset="0"/>
+              <a:buNone/>
+              <a:defRPr sz="900" b="0" cap="none" baseline="0">
+                <a:solidFill>
+                  <a:schemeClr val="tx2"/>
+                </a:solidFill>
+                <a:latin typeface="Proxima Nova Rg" panose="02000506030000020004" pitchFamily="2" charset="0"/>
+                <a:cs typeface="Gotham Bold" pitchFamily="50" charset="0"/>
+              </a:defRPr>
+            </a:lvl1pPr>
+            <a:lvl2pPr marL="179388" indent="0" defTabSz="755934">
+              <a:lnSpc>
+                <a:spcPct val="100000"/>
+              </a:lnSpc>
+              <a:spcBef>
+                <a:spcPts val="900"/>
+              </a:spcBef>
+              <a:buFont typeface="Arial" panose="020B0604020202020204" pitchFamily="34" charset="0"/>
+              <a:buNone/>
+              <a:defRPr sz="1200" cap="all" baseline="0">
+                <a:latin typeface="Gotham Medium" pitchFamily="50" charset="0"/>
+                <a:cs typeface="Gotham Medium" pitchFamily="50" charset="0"/>
+              </a:defRPr>
+            </a:lvl2pPr>
+            <a:lvl3pPr marL="179388" indent="0" defTabSz="755934">
+              <a:lnSpc>
+                <a:spcPct val="100000"/>
+              </a:lnSpc>
+              <a:spcBef>
+                <a:spcPts val="600"/>
+              </a:spcBef>
+              <a:buFont typeface="Arial" panose="020B0604020202020204" pitchFamily="34" charset="0"/>
+              <a:buNone/>
+              <a:defRPr sz="900">
+                <a:solidFill>
+                  <a:schemeClr val="tx2"/>
+                </a:solidFill>
+              </a:defRPr>
+            </a:lvl3pPr>
+            <a:lvl4pPr marL="179388" indent="0" defTabSz="755934">
+              <a:lnSpc>
+                <a:spcPct val="100000"/>
+              </a:lnSpc>
+              <a:spcBef>
+                <a:spcPts val="600"/>
+              </a:spcBef>
+              <a:buFont typeface="Arial" panose="020B0604020202020204" pitchFamily="34" charset="0"/>
+              <a:buNone/>
+              <a:defRPr sz="900" u="sng">
+                <a:solidFill>
+                  <a:schemeClr val="tx2"/>
+                </a:solidFill>
+              </a:defRPr>
+            </a:lvl4pPr>
+            <a:lvl5pPr marL="179388" indent="0" defTabSz="755934">
+              <a:lnSpc>
+                <a:spcPct val="100000"/>
+              </a:lnSpc>
+              <a:spcBef>
+                <a:spcPts val="600"/>
+              </a:spcBef>
+              <a:buFont typeface="Arial" panose="020B0604020202020204" pitchFamily="34" charset="0"/>
+              <a:buNone/>
+              <a:defRPr sz="700">
+                <a:solidFill>
+                  <a:schemeClr val="tx2"/>
+                </a:solidFill>
+                <a:latin typeface="Ciutadella Regular Italic" panose="01000000000000000000" pitchFamily="50" charset="0"/>
+              </a:defRPr>
+            </a:lvl5pPr>
+            <a:lvl6pPr marL="2078820" indent="-188984" defTabSz="755934">
+              <a:lnSpc>
+                <a:spcPct val="90000"/>
+              </a:lnSpc>
+              <a:spcBef>
+                <a:spcPts val="413"/>
+              </a:spcBef>
+              <a:buFont typeface="Arial" panose="020B0604020202020204" pitchFamily="34" charset="0"/>
+              <a:buChar char="•"/>
+              <a:defRPr sz="1488"/>
+            </a:lvl6pPr>
+            <a:lvl7pPr marL="2456787" indent="-188984" defTabSz="755934">
+              <a:lnSpc>
+                <a:spcPct val="90000"/>
+              </a:lnSpc>
+              <a:spcBef>
+                <a:spcPts val="413"/>
+              </a:spcBef>
+              <a:buFont typeface="Arial" panose="020B0604020202020204" pitchFamily="34" charset="0"/>
+              <a:buChar char="•"/>
+              <a:defRPr sz="1488"/>
+            </a:lvl7pPr>
+            <a:lvl8pPr marL="2834754" indent="-188984" defTabSz="755934">
+              <a:lnSpc>
+                <a:spcPct val="90000"/>
+              </a:lnSpc>
+              <a:spcBef>
+                <a:spcPts val="413"/>
+              </a:spcBef>
+              <a:buFont typeface="Arial" panose="020B0604020202020204" pitchFamily="34" charset="0"/>
+              <a:buChar char="•"/>
+              <a:defRPr sz="1488"/>
+            </a:lvl8pPr>
+            <a:lvl9pPr marL="3212722" indent="-188984" defTabSz="755934">
+              <a:lnSpc>
+                <a:spcPct val="90000"/>
+              </a:lnSpc>
+              <a:spcBef>
+                <a:spcPts val="413"/>
+              </a:spcBef>
+              <a:buFont typeface="Arial" panose="020B0604020202020204" pitchFamily="34" charset="0"/>
+              <a:buChar char="•"/>
+              <a:defRPr sz="1488"/>
+            </a:lvl9pPr>
+          </a:lstStyle>
+          <a:p>
+            <a:r>
+              <a:rPr lang="fr-FR" sz="800" dirty="0">
+                <a:latin typeface="+mn-lt"/>
+              </a:rPr>
+              <a:t>L’intégralité du capital initial</a:t>
+            </a:r>
+          </a:p>
+          <a:p>
+            <a:r>
+              <a:rPr lang="fr-FR" sz="800" dirty="0">
+                <a:latin typeface="+mn-lt"/>
+              </a:rPr>
+              <a:t>(Soit un Taux de Rendement Annuel net de -1,00%</a:t>
+            </a:r>
+            <a:r>
+              <a:rPr lang="fr-FR" sz="800" baseline="30000" dirty="0">
+                <a:latin typeface="+mn-lt"/>
+              </a:rPr>
+              <a:t>(2)</a:t>
+            </a:r>
+            <a:r>
+              <a:rPr lang="fr-FR" sz="800" dirty="0">
+                <a:latin typeface="+mn-lt"/>
+              </a:rPr>
+              <a:t>)</a:t>
+            </a:r>
+          </a:p>
+        </p:txBody>
+      </p:sp>
+      <p:sp>
+        <p:nvSpPr>
+          <p:cNvPr id="21" name="ZoneTexte 20">
+            <a:extLst>
+              <a:ext uri="{FF2B5EF4-FFF2-40B4-BE49-F238E27FC236}">
+                <a16:creationId xmlns:a16="http://schemas.microsoft.com/office/drawing/2014/main" id="{13C1DC08-7523-4CEB-8E89-DD7A3070EE79}"/>
+              </a:ext>
+            </a:extLst>
+          </p:cNvPr>
+          <p:cNvSpPr txBox="1"/>
+          <p:nvPr/>
+        </p:nvSpPr>
+        <p:spPr>
+          <a:xfrm>
+            <a:off x="904289" y="7103339"/>
+            <a:ext cx="6353527" cy="246221"/>
+          </a:xfrm>
+          <a:prstGeom prst="rect">
+            <a:avLst/>
+          </a:prstGeom>
+          <a:noFill/>
+        </p:spPr>
+        <p:txBody>
+          <a:bodyPr wrap="square" lIns="0" tIns="0" rIns="0" bIns="0" rtlCol="0">
+            <a:spAutoFit/>
+          </a:bodyPr>
+          <a:lstStyle/>
+          <a:p>
+            <a:pPr algn="just"/>
+            <a:r>
+              <a:rPr lang="fr-FR" sz="800" b="1" u="sng" dirty="0">
+                <a:solidFill>
+                  <a:srgbClr val="000000"/>
+                </a:solidFill>
+              </a:rPr>
+              <a:t>Cas médian</a:t>
+            </a:r>
+            <a:r>
+              <a:rPr lang="fr-FR" sz="800" b="1" dirty="0">
+                <a:solidFill>
+                  <a:srgbClr val="000000"/>
+                </a:solidFill>
+              </a:rPr>
+              <a:t> : Si </a:t>
+            </a:r>
+            <a:r>
+              <a:rPr lang="it-IT" sz="800" b="1" dirty="0">
+                <a:solidFill>
+                  <a:schemeClr val="tx2"/>
+                </a:solidFill>
+              </a:rPr>
+              <a:t>l’action la moins performante </a:t>
+            </a:r>
+            <a:r>
+              <a:rPr lang="fr-FR" sz="800" b="1" dirty="0">
+                <a:solidFill>
+                  <a:srgbClr val="000000"/>
+                </a:solidFill>
+              </a:rPr>
+              <a:t>clôture à un cours strictement inférieur à 80% mais supérieur ou égal à 60% de son Cours Initial, l’investisseur reçoit, le 27/03/2028 : </a:t>
             </a:r>
           </a:p>
         </p:txBody>
@@ -7892,7 +8142,7 @@
                   <a:srgbClr val="000000"/>
                 </a:solidFill>
               </a:rPr>
-              <a:t>, si le mécanisme de remboursement anticipé n’a pas été activé au préalable, et si l’action la moins performante clôture à un cours supérieur ou égal à 60% de son Cours Initial, l’investisseur récupère alors l’intégralité de son capital initial, majorée d’un gain de 2,25% par trimestre écoulé depuis le 11/03/2022</a:t>
+              <a:t>, si le mécanisme de remboursement anticipé n’a pas été activé au préalable, et si l’action la moins performante clôture à un cours supérieur ou égal à 80% de son Cours Initial, l’investisseur récupère alors l’intégralité de son capital initial, majorée d’un gain de 2,25% par trimestre écoulé depuis le 11/03/2022</a:t>
             </a:r>
             <a:r>
               <a:rPr lang="fr-FR" sz="800" baseline="30000" dirty="0">
@@ -7945,7 +8195,7 @@
                   <a:srgbClr val="000000"/>
                 </a:solidFill>
               </a:rPr>
-              <a:t>). Le capital n’est donc exposé à un risque de perte à l’échéance(¹) que si l’action la moins performante clôture à un cours strictement inférieur à 60% de son Cours Initial à la date de constatation finale(1).</a:t>
+              <a:t>). </a:t>
             </a:r>
           </a:p>
           <a:p>
@@ -7968,7 +8218,7 @@
                   <a:srgbClr val="00FFFF"/>
                 </a:highlight>
               </a:rPr>
-              <a:t/>
+              <a:t>Sinon, si le mécanisme automatique de remboursement anticipé n’a pas été activé au préalable et si, à la date de constatation finale(1), l’action la moins performante clôture à un cours strictement inférieur à 80% de son Cours Initial mais supérieur ou égal à 60% de ce dernier, l’investisseur récupère l’intégralité de son capital initialement investi. Le capital n’est donc exposé à un risque de perte à l’échéance(1) que si l’action la moins performante clôture à un cours strictement inférieur à 60% de son Cours Initial à la date de constatation finale(1).</a:t>
             </a:r>
             <a:endParaRPr lang="fr-FR" sz="800" dirty="0">
               <a:solidFill>
@@ -8343,7 +8593,7 @@
                 <a:effectLst/>
                 <a:ea typeface="Calibri" panose="020F0502020204030204" pitchFamily="34" charset="0"/>
               </a:rPr>
-              <a:t>en cours de vie, et des seuils de 60% et 60% de son Cours Initial à la date de constatation finale</a:t>
+              <a:t>en cours de vie, et des seuils de 80% et 60% de son Cours Initial à la date de constatation finale</a:t>
             </a:r>
             <a:r>
               <a:rPr lang="fr-FR" sz="800" b="1" baseline="30000" dirty="0">
@@ -9330,7 +9580,7 @@
               <a:rPr lang="fr-FR" sz="800" b="0" dirty="0">
                 <a:latin typeface="+mn-lt"/>
               </a:rPr>
-              <a:t>À la date de constatation finale(¹), l’action la moins performante clôture à un cours strictement supérieur à 60% de son Cours Initial</a:t>
+              <a:t>À la date de constatation finale(¹), l’action la moins performante clôture à un cours strictement inférieur à 80% mais supérieur ou égal à 60% de son Cours Initial</a:t>
             </a:r>
           </a:p>
         </p:txBody>
@@ -9606,7 +9856,7 @@
                 </a:solidFill>
                 <a:latin typeface="+mn-lt"/>
               </a:rPr>
-              <a:t>LE RENDEMENT DU PRODUIT « Cap dix » EST TRÈS SENSIBLE À UNE FAIBLE VARIATION DU cours DE CLÔTURE de l'action la moins performante AUTOUR DES SEUILS DE 60% ET DE 60% </a:t>
+              <a:t>LE RENDEMENT DU PRODUIT « Cap dix » EST TRÈS SENSIBLE À UNE FAIBLE VARIATION DU cours DE CLÔTURE de l'action la moins performante AUTOUR DES SEUILS DE 80% ET DE 60% </a:t>
             </a:r>
             <a:r>
               <a:rPr lang="fr-FR" sz="800" cap="all" dirty="0">
@@ -9924,7 +10174,8 @@
               <a:rPr lang="fr-FR" sz="800" dirty="0">
                 <a:latin typeface="+mn-lt"/>
               </a:rPr>
-              <a:t>À la date de constatation finale(¹), l’action la moins performante clôture à un cours strictement supérieur à 60% de son Cours Initial (70% dans cet exemple). L’investisseur récupère alors l’intégralité de son capital initialement investi majorée d’un gain de 2,25% par trimestre écoulé depuis le 2022-03-11 (soit un gain total de 54% total ).</a:t>
+              <a:t>À la date de constatation finale(¹), l’action la moins performante clôture à un cours strictement inférieur à 80% de son Cours Initial (70% dans cet exemple). L’investisseur récupère alors l’intégralité de son capital initialement investi.
+        </a:t>
             </a:r>
           </a:p>
           <a:p>
@@ -10359,13 +10610,35 @@
           <a:lstStyle/>
           <a:p>
             <a:r>
-              <a:rPr lang="fr-FR"/>
-              <a:t>&lt;graph2&gt;</a:t>
-            </a:r>
-            <a:endParaRPr lang="en-US" dirty="0"/>
+              <a:t>&gt;</a:t>
+            </a:r>
           </a:p>
         </p:txBody>
       </p:sp>
+      <p:pic>
+        <p:nvPicPr>
+          <p:cNvPr id="68" name="Picture 67" descr="graph2.png"/>
+          <p:cNvPicPr>
+            <a:picLocks noChangeAspect="1"/>
+          </p:cNvPicPr>
+          <p:nvPr/>
+        </p:nvPicPr>
+        <p:blipFill>
+          <a:blip r:embed="rId2"/>
+          <a:stretch>
+            <a:fillRect/>
+          </a:stretch>
+        </p:blipFill>
+        <p:spPr>
+          <a:xfrm>
+            <a:off x="0" y="1828800"/>
+            <a:ext cx="3886200" cy="1873704"/>
+          </a:xfrm>
+          <a:prstGeom prst="rect">
+            <a:avLst/>
+          </a:prstGeom>
+        </p:spPr>
+      </p:pic>
     </p:spTree>
     <p:extLst>
       <p:ext uri="{BB962C8B-B14F-4D97-AF65-F5344CB8AC3E}">
@@ -11989,15 +12262,33 @@
             <a:spAutoFit/>
           </a:bodyPr>
           <a:lstStyle/>
-          <a:p>
-            <a:r>
-              <a:rPr lang="fr-FR" dirty="0"/>
-              <a:t>&lt;graph5&gt;</a:t>
-            </a:r>
-            <a:endParaRPr lang="en-US" dirty="0"/>
-          </a:p>
+          <a:p/>
         </p:txBody>
       </p:sp>
+      <p:pic>
+        <p:nvPicPr>
+          <p:cNvPr id="18" name="Picture 17" descr="graph2.png"/>
+          <p:cNvPicPr>
+            <a:picLocks noChangeAspect="1"/>
+          </p:cNvPicPr>
+          <p:nvPr/>
+        </p:nvPicPr>
+        <p:blipFill>
+          <a:blip r:embed="rId2"/>
+          <a:stretch>
+            <a:fillRect/>
+          </a:stretch>
+        </p:blipFill>
+        <p:spPr>
+          <a:xfrm>
+            <a:off x="0" y="4800600"/>
+            <a:ext cx="6400800" cy="3086100"/>
+          </a:xfrm>
+          <a:prstGeom prst="rect">
+            <a:avLst/>
+          </a:prstGeom>
+        </p:spPr>
+      </p:pic>
     </p:spTree>
     <p:extLst>
       <p:ext uri="{BB962C8B-B14F-4D97-AF65-F5344CB8AC3E}">
@@ -15645,7 +15936,7 @@
                     <a:lstStyle/>
                     <a:p>
                       <a:r>
-                        <a:t>60% du Cours Initial de l'action la moins performante</a:t>
+                        <a:t>80% du Cours Initial de l'action la moins performante</a:t>
                       </a:r>
                     </a:p>
                   </a:txBody>

--- a/result/Cap dix- F100140085F1result.pptx
+++ b/result/Cap dix- F100140085F1result.pptx
@@ -2547,7 +2547,7 @@
                   <a:schemeClr val="tx2"/>
                 </a:solidFill>
               </a:rPr>
-              <a:t> B.V. : Standard &amp; Poor’s : A+. BNP Paribas S.A. : Standard &amp; Poor’s : A+ / Moody’s : Aa3 / Fitch : AA-. Notations en vigueur au moment de la rédaction de la présente brochure, le 23/03/2022. Ces notations peuvent être révisées à tout moment et ne sont pas une garantie de solvabilité de l’Émetteur ni du Garant de la formule. Elles ne sauraient constituer un argument de souscription au produit.</a:t>
+              <a:t> B.V. : Standard &amp; Poor’s : A+. BNP Paribas S.A. : Standard &amp; Poor’s : A+ / Moody’s : Aa3 / Fitch : AA-. Notations en vigueur au moment de la rédaction de la présente brochure, le 24/03/2022. Ces notations peuvent être révisées à tout moment et ne sont pas une garantie de solvabilité de l’Émetteur ni du Garant de la formule. Elles ne sauraient constituer un argument de souscription au produit.</a:t>
             </a:r>
           </a:p>
         </p:txBody>
@@ -11274,7 +11274,7 @@
                     <a:lstStyle/>
                     <a:p>
                       <a:r>
-                        <a:t>Performances au 23/03/2022 ()</a:t>
+                        <a:t>Performances au 24/03/2022 ()</a:t>
                       </a:r>
                     </a:p>
                   </a:txBody>
@@ -12400,7 +12400,7 @@
             </a:r>
             <a:r>
               <a:rPr lang="fr-FR" sz="650" dirty="0"/>
-              <a:t> B.V. : Standard &amp; Poor’s A+. BNP Paribas : Standard &amp; Poor’s A+ / Moody’s Aa3 / Fitch AA-. Notations en vigueur au moment de la rédaction de la présente brochure, le 23/03/2022, qui ne sauraient ni être une garantie de solvabilité de l’Émetteur et du Garant de la formule, ni constituer un argument de souscription au produit. Les agences de notation peuvent les modifier à tout moment. </a:t>
+              <a:t> B.V. : Standard &amp; Poor’s A+. BNP Paribas : Standard &amp; Poor’s A+ / Moody’s Aa3 / Fitch AA-. Notations en vigueur au moment de la rédaction de la présente brochure, le 24/03/2022, qui ne sauraient ni être une garantie de solvabilité de l’Émetteur et du Garant de la formule, ni constituer un argument de souscription au produit. Les agences de notation peuvent les modifier à tout moment. </a:t>
             </a:r>
             <a:endParaRPr lang="fr-FR" sz="650" i="1" dirty="0">
               <a:latin typeface="Proxima Nova Rg" panose="02000506030000020004" pitchFamily="2" charset="0"/>
